--- a/show.pptx
+++ b/show.pptx
@@ -259,7 +259,7 @@
           <a:p>
             <a:fld id="{4244FB1A-6D87-49FC-AC13-45C5F616F2C9}" type="datetimeFigureOut">
               <a:rPr lang="zh-CN" altLang="en-US" smtClean="0"/>
-              <a:t>2020/12/29</a:t>
+              <a:t>2021/1/7</a:t>
             </a:fld>
             <a:endParaRPr lang="zh-CN" altLang="en-US"/>
           </a:p>
@@ -457,7 +457,7 @@
           <a:p>
             <a:fld id="{4244FB1A-6D87-49FC-AC13-45C5F616F2C9}" type="datetimeFigureOut">
               <a:rPr lang="zh-CN" altLang="en-US" smtClean="0"/>
-              <a:t>2020/12/29</a:t>
+              <a:t>2021/1/7</a:t>
             </a:fld>
             <a:endParaRPr lang="zh-CN" altLang="en-US"/>
           </a:p>
@@ -665,7 +665,7 @@
           <a:p>
             <a:fld id="{4244FB1A-6D87-49FC-AC13-45C5F616F2C9}" type="datetimeFigureOut">
               <a:rPr lang="zh-CN" altLang="en-US" smtClean="0"/>
-              <a:t>2020/12/29</a:t>
+              <a:t>2021/1/7</a:t>
             </a:fld>
             <a:endParaRPr lang="zh-CN" altLang="en-US"/>
           </a:p>
@@ -863,7 +863,7 @@
           <a:p>
             <a:fld id="{4244FB1A-6D87-49FC-AC13-45C5F616F2C9}" type="datetimeFigureOut">
               <a:rPr lang="zh-CN" altLang="en-US" smtClean="0"/>
-              <a:t>2020/12/29</a:t>
+              <a:t>2021/1/7</a:t>
             </a:fld>
             <a:endParaRPr lang="zh-CN" altLang="en-US"/>
           </a:p>
@@ -1138,7 +1138,7 @@
           <a:p>
             <a:fld id="{4244FB1A-6D87-49FC-AC13-45C5F616F2C9}" type="datetimeFigureOut">
               <a:rPr lang="zh-CN" altLang="en-US" smtClean="0"/>
-              <a:t>2020/12/29</a:t>
+              <a:t>2021/1/7</a:t>
             </a:fld>
             <a:endParaRPr lang="zh-CN" altLang="en-US"/>
           </a:p>
@@ -1403,7 +1403,7 @@
           <a:p>
             <a:fld id="{4244FB1A-6D87-49FC-AC13-45C5F616F2C9}" type="datetimeFigureOut">
               <a:rPr lang="zh-CN" altLang="en-US" smtClean="0"/>
-              <a:t>2020/12/29</a:t>
+              <a:t>2021/1/7</a:t>
             </a:fld>
             <a:endParaRPr lang="zh-CN" altLang="en-US"/>
           </a:p>
@@ -1815,7 +1815,7 @@
           <a:p>
             <a:fld id="{4244FB1A-6D87-49FC-AC13-45C5F616F2C9}" type="datetimeFigureOut">
               <a:rPr lang="zh-CN" altLang="en-US" smtClean="0"/>
-              <a:t>2020/12/29</a:t>
+              <a:t>2021/1/7</a:t>
             </a:fld>
             <a:endParaRPr lang="zh-CN" altLang="en-US"/>
           </a:p>
@@ -1956,7 +1956,7 @@
           <a:p>
             <a:fld id="{4244FB1A-6D87-49FC-AC13-45C5F616F2C9}" type="datetimeFigureOut">
               <a:rPr lang="zh-CN" altLang="en-US" smtClean="0"/>
-              <a:t>2020/12/29</a:t>
+              <a:t>2021/1/7</a:t>
             </a:fld>
             <a:endParaRPr lang="zh-CN" altLang="en-US"/>
           </a:p>
@@ -2069,7 +2069,7 @@
           <a:p>
             <a:fld id="{4244FB1A-6D87-49FC-AC13-45C5F616F2C9}" type="datetimeFigureOut">
               <a:rPr lang="zh-CN" altLang="en-US" smtClean="0"/>
-              <a:t>2020/12/29</a:t>
+              <a:t>2021/1/7</a:t>
             </a:fld>
             <a:endParaRPr lang="zh-CN" altLang="en-US"/>
           </a:p>
@@ -2380,7 +2380,7 @@
           <a:p>
             <a:fld id="{4244FB1A-6D87-49FC-AC13-45C5F616F2C9}" type="datetimeFigureOut">
               <a:rPr lang="zh-CN" altLang="en-US" smtClean="0"/>
-              <a:t>2020/12/29</a:t>
+              <a:t>2021/1/7</a:t>
             </a:fld>
             <a:endParaRPr lang="zh-CN" altLang="en-US"/>
           </a:p>
@@ -2668,7 +2668,7 @@
           <a:p>
             <a:fld id="{4244FB1A-6D87-49FC-AC13-45C5F616F2C9}" type="datetimeFigureOut">
               <a:rPr lang="zh-CN" altLang="en-US" smtClean="0"/>
-              <a:t>2020/12/29</a:t>
+              <a:t>2021/1/7</a:t>
             </a:fld>
             <a:endParaRPr lang="zh-CN" altLang="en-US"/>
           </a:p>
@@ -2909,7 +2909,7 @@
           <a:p>
             <a:fld id="{4244FB1A-6D87-49FC-AC13-45C5F616F2C9}" type="datetimeFigureOut">
               <a:rPr lang="zh-CN" altLang="en-US" smtClean="0"/>
-              <a:t>2020/12/29</a:t>
+              <a:t>2021/1/7</a:t>
             </a:fld>
             <a:endParaRPr lang="zh-CN" altLang="en-US"/>
           </a:p>
@@ -3389,9 +3389,9 @@
           <p:nvPr/>
         </p:nvSpPr>
         <p:spPr>
-          <a:xfrm rot="19619912">
-            <a:off x="2702724" y="1953778"/>
-            <a:ext cx="1532823" cy="380176"/>
+          <a:xfrm rot="20266869">
+            <a:off x="1659546" y="1653376"/>
+            <a:ext cx="2342334" cy="380176"/>
           </a:xfrm>
           <a:prstGeom prst="leftArrow">
             <a:avLst/>
@@ -3440,8 +3440,8 @@
         </p:nvSpPr>
         <p:spPr>
           <a:xfrm>
-            <a:off x="1151141" y="2793772"/>
-            <a:ext cx="1951892" cy="694592"/>
+            <a:off x="633217" y="2687445"/>
+            <a:ext cx="1492581" cy="694592"/>
           </a:xfrm>
           <a:prstGeom prst="roundRect">
             <a:avLst/>
@@ -3470,7 +3470,7 @@
             <a:pPr algn="ctr"/>
             <a:r>
               <a:rPr lang="en-US" altLang="zh-CN" sz="3200" dirty="0"/>
-              <a:t>Reader</a:t>
+              <a:t>Client</a:t>
             </a:r>
             <a:endParaRPr lang="zh-CN" altLang="en-US" sz="3200" dirty="0"/>
           </a:p>
@@ -3489,9 +3489,9 @@
           <p:nvPr/>
         </p:nvSpPr>
         <p:spPr>
-          <a:xfrm rot="2041670">
-            <a:off x="6515526" y="1991397"/>
-            <a:ext cx="1711664" cy="412627"/>
+          <a:xfrm rot="1518116">
+            <a:off x="7458819" y="1789499"/>
+            <a:ext cx="2287758" cy="511667"/>
           </a:xfrm>
           <a:prstGeom prst="rightArrow">
             <a:avLst/>
@@ -3520,7 +3520,7 @@
             <a:pPr algn="ctr"/>
             <a:r>
               <a:rPr lang="en-US" altLang="zh-CN" dirty="0"/>
-              <a:t>Has a</a:t>
+              <a:t>Has many</a:t>
             </a:r>
             <a:endParaRPr lang="zh-CN" altLang="en-US" dirty="0"/>
           </a:p>
@@ -3540,8 +3540,8 @@
         </p:nvSpPr>
         <p:spPr>
           <a:xfrm>
-            <a:off x="7523779" y="2780582"/>
-            <a:ext cx="2171700" cy="720969"/>
+            <a:off x="2601198" y="2687445"/>
+            <a:ext cx="1821657" cy="720969"/>
           </a:xfrm>
           <a:prstGeom prst="roundRect">
             <a:avLst/>
@@ -3569,10 +3569,10 @@
           <a:p>
             <a:pPr algn="ctr"/>
             <a:r>
-              <a:rPr lang="en-US" altLang="zh-CN" sz="2400" dirty="0"/>
+              <a:rPr lang="en-US" altLang="zh-CN" sz="2000" dirty="0"/>
               <a:t>Administrator</a:t>
             </a:r>
-            <a:endParaRPr lang="zh-CN" altLang="en-US" sz="2400" dirty="0"/>
+            <a:endParaRPr lang="zh-CN" altLang="en-US" sz="2000" dirty="0"/>
           </a:p>
         </p:txBody>
       </p:sp>
@@ -3590,8 +3590,8 @@
         </p:nvSpPr>
         <p:spPr>
           <a:xfrm>
-            <a:off x="4518898" y="2847615"/>
-            <a:ext cx="1626577" cy="586902"/>
+            <a:off x="9413516" y="2700633"/>
+            <a:ext cx="1872762" cy="707781"/>
           </a:xfrm>
           <a:prstGeom prst="roundRect">
             <a:avLst/>
@@ -3620,7 +3620,7 @@
             <a:pPr algn="ctr"/>
             <a:r>
               <a:rPr lang="en-US" altLang="zh-CN" sz="3200" dirty="0"/>
-              <a:t>User</a:t>
+              <a:t>Record</a:t>
             </a:r>
             <a:endParaRPr lang="zh-CN" altLang="en-US" sz="3200" dirty="0"/>
           </a:p>
@@ -3628,10 +3628,10 @@
       </p:sp>
       <p:sp>
         <p:nvSpPr>
-          <p:cNvPr id="14" name="箭头: 右 13">
-            <a:extLst>
-              <a:ext uri="{FF2B5EF4-FFF2-40B4-BE49-F238E27FC236}">
-                <a16:creationId xmlns:a16="http://schemas.microsoft.com/office/drawing/2014/main" id="{5B4589A5-A2F1-4D07-85BB-7AB4C8EEF132}"/>
+          <p:cNvPr id="19" name="矩形: 圆角 18">
+            <a:extLst>
+              <a:ext uri="{FF2B5EF4-FFF2-40B4-BE49-F238E27FC236}">
+                <a16:creationId xmlns:a16="http://schemas.microsoft.com/office/drawing/2014/main" id="{DBFA50E3-E870-4B63-92FF-109363CCD1E5}"/>
               </a:ext>
             </a:extLst>
           </p:cNvPr>
@@ -3640,107 +3640,7 @@
         </p:nvSpPr>
         <p:spPr>
           <a:xfrm>
-            <a:off x="3292253" y="2806961"/>
-            <a:ext cx="1037425" cy="694591"/>
-          </a:xfrm>
-          <a:prstGeom prst="rightArrow">
-            <a:avLst/>
-          </a:prstGeom>
-        </p:spPr>
-        <p:style>
-          <a:lnRef idx="2">
-            <a:schemeClr val="accent1">
-              <a:shade val="50000"/>
-            </a:schemeClr>
-          </a:lnRef>
-          <a:fillRef idx="1">
-            <a:schemeClr val="accent1"/>
-          </a:fillRef>
-          <a:effectRef idx="0">
-            <a:schemeClr val="accent1"/>
-          </a:effectRef>
-          <a:fontRef idx="minor">
-            <a:schemeClr val="lt1"/>
-          </a:fontRef>
-        </p:style>
-        <p:txBody>
-          <a:bodyPr rtlCol="0" anchor="ctr"/>
-          <a:lstStyle/>
-          <a:p>
-            <a:pPr algn="ctr"/>
-            <a:r>
-              <a:rPr lang="en-US" altLang="zh-CN" dirty="0"/>
-              <a:t>Is a</a:t>
-            </a:r>
-            <a:endParaRPr lang="zh-CN" altLang="en-US" dirty="0"/>
-          </a:p>
-        </p:txBody>
-      </p:sp>
-      <p:sp>
-        <p:nvSpPr>
-          <p:cNvPr id="17" name="箭头: 左 16">
-            <a:extLst>
-              <a:ext uri="{FF2B5EF4-FFF2-40B4-BE49-F238E27FC236}">
-                <a16:creationId xmlns:a16="http://schemas.microsoft.com/office/drawing/2014/main" id="{9E2EC833-ECCE-4159-8148-7B483393BB64}"/>
-              </a:ext>
-            </a:extLst>
-          </p:cNvPr>
-          <p:cNvSpPr/>
-          <p:nvPr/>
-        </p:nvSpPr>
-        <p:spPr>
-          <a:xfrm>
-            <a:off x="6374438" y="2806961"/>
-            <a:ext cx="989846" cy="694590"/>
-          </a:xfrm>
-          <a:prstGeom prst="leftArrow">
-            <a:avLst/>
-          </a:prstGeom>
-        </p:spPr>
-        <p:style>
-          <a:lnRef idx="2">
-            <a:schemeClr val="accent1">
-              <a:shade val="50000"/>
-            </a:schemeClr>
-          </a:lnRef>
-          <a:fillRef idx="1">
-            <a:schemeClr val="accent1"/>
-          </a:fillRef>
-          <a:effectRef idx="0">
-            <a:schemeClr val="accent1"/>
-          </a:effectRef>
-          <a:fontRef idx="minor">
-            <a:schemeClr val="lt1"/>
-          </a:fontRef>
-        </p:style>
-        <p:txBody>
-          <a:bodyPr rtlCol="0" anchor="ctr"/>
-          <a:lstStyle/>
-          <a:p>
-            <a:pPr algn="ctr"/>
-            <a:r>
-              <a:rPr lang="en-US" altLang="zh-CN" dirty="0"/>
-              <a:t>Is a</a:t>
-            </a:r>
-            <a:endParaRPr lang="zh-CN" altLang="en-US" dirty="0"/>
-          </a:p>
-        </p:txBody>
-      </p:sp>
-      <p:sp>
-        <p:nvSpPr>
-          <p:cNvPr id="19" name="矩形: 圆角 18">
-            <a:extLst>
-              <a:ext uri="{FF2B5EF4-FFF2-40B4-BE49-F238E27FC236}">
-                <a16:creationId xmlns:a16="http://schemas.microsoft.com/office/drawing/2014/main" id="{DBFA50E3-E870-4B63-92FF-109363CCD1E5}"/>
-              </a:ext>
-            </a:extLst>
-          </p:cNvPr>
-          <p:cNvSpPr/>
-          <p:nvPr/>
-        </p:nvSpPr>
-        <p:spPr>
-          <a:xfrm>
-            <a:off x="9290388" y="4734328"/>
+            <a:off x="6855499" y="2674256"/>
             <a:ext cx="1872762" cy="720969"/>
           </a:xfrm>
           <a:prstGeom prst="roundRect">
@@ -3769,19 +3669,19 @@
           <a:p>
             <a:pPr algn="ctr"/>
             <a:r>
-              <a:rPr lang="en-US" altLang="zh-CN" dirty="0"/>
+              <a:rPr lang="en-US" altLang="zh-CN" sz="2400" dirty="0"/>
               <a:t>Book Ware</a:t>
             </a:r>
-            <a:endParaRPr lang="zh-CN" altLang="en-US" dirty="0"/>
-          </a:p>
-        </p:txBody>
-      </p:sp>
-      <p:sp>
-        <p:nvSpPr>
-          <p:cNvPr id="15" name="箭头: 右 14">
-            <a:extLst>
-              <a:ext uri="{FF2B5EF4-FFF2-40B4-BE49-F238E27FC236}">
-                <a16:creationId xmlns:a16="http://schemas.microsoft.com/office/drawing/2014/main" id="{2D5AB7E2-A87A-43E9-828A-DE91E7A3F4B2}"/>
+            <a:endParaRPr lang="zh-CN" altLang="en-US" sz="2400" dirty="0"/>
+          </a:p>
+        </p:txBody>
+      </p:sp>
+      <p:sp>
+        <p:nvSpPr>
+          <p:cNvPr id="2" name="矩形: 圆角 1">
+            <a:extLst>
+              <a:ext uri="{FF2B5EF4-FFF2-40B4-BE49-F238E27FC236}">
+                <a16:creationId xmlns:a16="http://schemas.microsoft.com/office/drawing/2014/main" id="{1F509821-9A3F-41A5-8772-C14EE099CBB8}"/>
               </a:ext>
             </a:extLst>
           </p:cNvPr>
@@ -3789,9 +3689,109 @@
           <p:nvPr/>
         </p:nvSpPr>
         <p:spPr>
-          <a:xfrm rot="2041670">
-            <a:off x="9264289" y="4015673"/>
-            <a:ext cx="1436659" cy="346332"/>
+          <a:xfrm>
+            <a:off x="4752258" y="2663290"/>
+            <a:ext cx="1882428" cy="729710"/>
+          </a:xfrm>
+          <a:prstGeom prst="roundRect">
+            <a:avLst/>
+          </a:prstGeom>
+        </p:spPr>
+        <p:style>
+          <a:lnRef idx="2">
+            <a:schemeClr val="accent1">
+              <a:shade val="50000"/>
+            </a:schemeClr>
+          </a:lnRef>
+          <a:fillRef idx="1">
+            <a:schemeClr val="accent1"/>
+          </a:fillRef>
+          <a:effectRef idx="0">
+            <a:schemeClr val="accent1"/>
+          </a:effectRef>
+          <a:fontRef idx="minor">
+            <a:schemeClr val="lt1"/>
+          </a:fontRef>
+        </p:style>
+        <p:txBody>
+          <a:bodyPr rtlCol="0" anchor="ctr"/>
+          <a:lstStyle/>
+          <a:p>
+            <a:pPr algn="ctr"/>
+            <a:r>
+              <a:rPr lang="en-US" altLang="zh-CN" sz="2400" dirty="0"/>
+              <a:t>Client Ware</a:t>
+            </a:r>
+            <a:endParaRPr lang="zh-CN" altLang="en-US" sz="2400" dirty="0"/>
+          </a:p>
+        </p:txBody>
+      </p:sp>
+      <p:sp>
+        <p:nvSpPr>
+          <p:cNvPr id="18" name="箭头: 左 17">
+            <a:extLst>
+              <a:ext uri="{FF2B5EF4-FFF2-40B4-BE49-F238E27FC236}">
+                <a16:creationId xmlns:a16="http://schemas.microsoft.com/office/drawing/2014/main" id="{3E0EB3CA-2AF3-4C56-9C2C-24F7162D1685}"/>
+              </a:ext>
+            </a:extLst>
+          </p:cNvPr>
+          <p:cNvSpPr/>
+          <p:nvPr/>
+        </p:nvSpPr>
+        <p:spPr>
+          <a:xfrm rot="19232266">
+            <a:off x="3137005" y="1906216"/>
+            <a:ext cx="1457902" cy="425411"/>
+          </a:xfrm>
+          <a:prstGeom prst="leftArrow">
+            <a:avLst/>
+          </a:prstGeom>
+        </p:spPr>
+        <p:style>
+          <a:lnRef idx="2">
+            <a:schemeClr val="accent1">
+              <a:shade val="50000"/>
+            </a:schemeClr>
+          </a:lnRef>
+          <a:fillRef idx="1">
+            <a:schemeClr val="accent1"/>
+          </a:fillRef>
+          <a:effectRef idx="0">
+            <a:schemeClr val="accent1"/>
+          </a:effectRef>
+          <a:fontRef idx="minor">
+            <a:schemeClr val="lt1"/>
+          </a:fontRef>
+        </p:style>
+        <p:txBody>
+          <a:bodyPr rtlCol="0" anchor="ctr"/>
+          <a:lstStyle/>
+          <a:p>
+            <a:pPr algn="ctr"/>
+            <a:r>
+              <a:rPr lang="en-US" altLang="zh-CN" sz="2000" dirty="0"/>
+              <a:t>Has a</a:t>
+            </a:r>
+            <a:endParaRPr lang="zh-CN" altLang="en-US" sz="2000" dirty="0"/>
+          </a:p>
+        </p:txBody>
+      </p:sp>
+      <p:sp>
+        <p:nvSpPr>
+          <p:cNvPr id="20" name="箭头: 右 19">
+            <a:extLst>
+              <a:ext uri="{FF2B5EF4-FFF2-40B4-BE49-F238E27FC236}">
+                <a16:creationId xmlns:a16="http://schemas.microsoft.com/office/drawing/2014/main" id="{88F563A5-29DF-4248-85EA-52C38A2B1F29}"/>
+              </a:ext>
+            </a:extLst>
+          </p:cNvPr>
+          <p:cNvSpPr/>
+          <p:nvPr/>
+        </p:nvSpPr>
+        <p:spPr>
+          <a:xfrm rot="2495721">
+            <a:off x="6665119" y="1833493"/>
+            <a:ext cx="1404448" cy="443709"/>
           </a:xfrm>
           <a:prstGeom prst="rightArrow">
             <a:avLst/>
@@ -3819,19 +3819,19 @@
           <a:p>
             <a:pPr algn="ctr"/>
             <a:r>
-              <a:rPr lang="en-US" altLang="zh-CN" sz="1600" dirty="0"/>
+              <a:rPr lang="en-US" altLang="zh-CN" dirty="0"/>
               <a:t>Has a</a:t>
             </a:r>
-            <a:endParaRPr lang="zh-CN" altLang="en-US" sz="1600" dirty="0"/>
-          </a:p>
-        </p:txBody>
-      </p:sp>
-      <p:sp>
-        <p:nvSpPr>
-          <p:cNvPr id="16" name="箭头: 左 15">
-            <a:extLst>
-              <a:ext uri="{FF2B5EF4-FFF2-40B4-BE49-F238E27FC236}">
-                <a16:creationId xmlns:a16="http://schemas.microsoft.com/office/drawing/2014/main" id="{579ECC2D-75EA-4651-B6AF-7151A948F607}"/>
+            <a:endParaRPr lang="zh-CN" altLang="en-US" dirty="0"/>
+          </a:p>
+        </p:txBody>
+      </p:sp>
+      <p:sp>
+        <p:nvSpPr>
+          <p:cNvPr id="5" name="箭头: 下 4">
+            <a:extLst>
+              <a:ext uri="{FF2B5EF4-FFF2-40B4-BE49-F238E27FC236}">
+                <a16:creationId xmlns:a16="http://schemas.microsoft.com/office/drawing/2014/main" id="{41A580E1-2F49-4A7D-978B-B89A9AADF423}"/>
               </a:ext>
             </a:extLst>
           </p:cNvPr>
@@ -3839,11 +3839,11 @@
           <p:nvPr/>
         </p:nvSpPr>
         <p:spPr>
-          <a:xfrm rot="19619912">
-            <a:off x="6936298" y="3938534"/>
-            <a:ext cx="1356622" cy="336474"/>
+          <a:xfrm>
+            <a:off x="5137265" y="1778924"/>
+            <a:ext cx="1188720" cy="729710"/>
           </a:xfrm>
-          <a:prstGeom prst="leftArrow">
+          <a:prstGeom prst="downArrow">
             <a:avLst/>
           </a:prstGeom>
         </p:spPr>
@@ -3869,19 +3869,26 @@
           <a:p>
             <a:pPr algn="ctr"/>
             <a:r>
-              <a:rPr lang="en-US" altLang="zh-CN" sz="1600" dirty="0"/>
-              <a:t>Has a</a:t>
-            </a:r>
-            <a:endParaRPr lang="zh-CN" altLang="en-US" sz="1600" dirty="0"/>
-          </a:p>
-        </p:txBody>
-      </p:sp>
-      <p:sp>
-        <p:nvSpPr>
-          <p:cNvPr id="2" name="矩形: 圆角 1">
-            <a:extLst>
-              <a:ext uri="{FF2B5EF4-FFF2-40B4-BE49-F238E27FC236}">
-                <a16:creationId xmlns:a16="http://schemas.microsoft.com/office/drawing/2014/main" id="{1F509821-9A3F-41A5-8772-C14EE099CBB8}"/>
+              <a:rPr lang="en-US" altLang="zh-CN" dirty="0"/>
+              <a:t>Has</a:t>
+            </a:r>
+          </a:p>
+          <a:p>
+            <a:pPr algn="ctr"/>
+            <a:r>
+              <a:rPr lang="en-US" altLang="zh-CN" dirty="0"/>
+              <a:t>a</a:t>
+            </a:r>
+            <a:endParaRPr lang="zh-CN" altLang="en-US" dirty="0"/>
+          </a:p>
+        </p:txBody>
+      </p:sp>
+      <p:sp>
+        <p:nvSpPr>
+          <p:cNvPr id="21" name="箭头: 下 20">
+            <a:extLst>
+              <a:ext uri="{FF2B5EF4-FFF2-40B4-BE49-F238E27FC236}">
+                <a16:creationId xmlns:a16="http://schemas.microsoft.com/office/drawing/2014/main" id="{05BCADDC-5580-4B12-9554-BA0F6B006466}"/>
               </a:ext>
             </a:extLst>
           </p:cNvPr>
@@ -3890,8 +3897,65 @@
         </p:nvSpPr>
         <p:spPr>
           <a:xfrm>
-            <a:off x="6453455" y="4638502"/>
-            <a:ext cx="1821657" cy="816795"/>
+            <a:off x="4834006" y="3547325"/>
+            <a:ext cx="1882427" cy="729710"/>
+          </a:xfrm>
+          <a:prstGeom prst="downArrow">
+            <a:avLst/>
+          </a:prstGeom>
+        </p:spPr>
+        <p:style>
+          <a:lnRef idx="2">
+            <a:schemeClr val="accent1">
+              <a:shade val="50000"/>
+            </a:schemeClr>
+          </a:lnRef>
+          <a:fillRef idx="1">
+            <a:schemeClr val="accent1"/>
+          </a:fillRef>
+          <a:effectRef idx="0">
+            <a:schemeClr val="accent1"/>
+          </a:effectRef>
+          <a:fontRef idx="minor">
+            <a:schemeClr val="lt1"/>
+          </a:fontRef>
+        </p:style>
+        <p:txBody>
+          <a:bodyPr rtlCol="0" anchor="ctr"/>
+          <a:lstStyle/>
+          <a:p>
+            <a:pPr algn="ctr"/>
+            <a:r>
+              <a:rPr lang="en-US" altLang="zh-CN" dirty="0"/>
+              <a:t>Has</a:t>
+            </a:r>
+          </a:p>
+          <a:p>
+            <a:pPr algn="ctr"/>
+            <a:r>
+              <a:rPr lang="en-US" altLang="zh-CN" dirty="0"/>
+              <a:t>many</a:t>
+            </a:r>
+            <a:endParaRPr lang="zh-CN" altLang="en-US" dirty="0"/>
+          </a:p>
+        </p:txBody>
+      </p:sp>
+      <p:sp>
+        <p:nvSpPr>
+          <p:cNvPr id="22" name="矩形: 圆角 21">
+            <a:extLst>
+              <a:ext uri="{FF2B5EF4-FFF2-40B4-BE49-F238E27FC236}">
+                <a16:creationId xmlns:a16="http://schemas.microsoft.com/office/drawing/2014/main" id="{D42C400C-3D40-440D-A924-9E1B8DF3F653}"/>
+              </a:ext>
+            </a:extLst>
+          </p:cNvPr>
+          <p:cNvSpPr/>
+          <p:nvPr/>
+        </p:nvSpPr>
+        <p:spPr>
+          <a:xfrm>
+            <a:off x="5060720" y="4380404"/>
+            <a:ext cx="1492581" cy="694592"/>
           </a:xfrm>
           <a:prstGeom prst="roundRect">
             <a:avLst/>
@@ -3919,10 +3983,224 @@
           <a:p>
             <a:pPr algn="ctr"/>
             <a:r>
+              <a:rPr lang="en-US" altLang="zh-CN" sz="3200" dirty="0"/>
+              <a:t>Client</a:t>
+            </a:r>
+            <a:endParaRPr lang="zh-CN" altLang="en-US" sz="3200" dirty="0"/>
+          </a:p>
+        </p:txBody>
+      </p:sp>
+      <p:sp>
+        <p:nvSpPr>
+          <p:cNvPr id="23" name="箭头: 下 22">
+            <a:extLst>
+              <a:ext uri="{FF2B5EF4-FFF2-40B4-BE49-F238E27FC236}">
+                <a16:creationId xmlns:a16="http://schemas.microsoft.com/office/drawing/2014/main" id="{30AFD7E8-2956-447B-8E43-4B25A47E8195}"/>
+              </a:ext>
+            </a:extLst>
+          </p:cNvPr>
+          <p:cNvSpPr/>
+          <p:nvPr/>
+        </p:nvSpPr>
+        <p:spPr>
+          <a:xfrm>
+            <a:off x="6922001" y="3510626"/>
+            <a:ext cx="1882427" cy="729710"/>
+          </a:xfrm>
+          <a:prstGeom prst="downArrow">
+            <a:avLst/>
+          </a:prstGeom>
+        </p:spPr>
+        <p:style>
+          <a:lnRef idx="2">
+            <a:schemeClr val="accent1">
+              <a:shade val="50000"/>
+            </a:schemeClr>
+          </a:lnRef>
+          <a:fillRef idx="1">
+            <a:schemeClr val="accent1"/>
+          </a:fillRef>
+          <a:effectRef idx="0">
+            <a:schemeClr val="accent1"/>
+          </a:effectRef>
+          <a:fontRef idx="minor">
+            <a:schemeClr val="lt1"/>
+          </a:fontRef>
+        </p:style>
+        <p:txBody>
+          <a:bodyPr rtlCol="0" anchor="ctr"/>
+          <a:lstStyle/>
+          <a:p>
+            <a:pPr algn="ctr"/>
+            <a:r>
               <a:rPr lang="en-US" altLang="zh-CN" dirty="0"/>
-              <a:t>User Ware</a:t>
+              <a:t>Has</a:t>
+            </a:r>
+          </a:p>
+          <a:p>
+            <a:pPr algn="ctr"/>
+            <a:r>
+              <a:rPr lang="en-US" altLang="zh-CN" dirty="0"/>
+              <a:t>many</a:t>
             </a:r>
             <a:endParaRPr lang="zh-CN" altLang="en-US" dirty="0"/>
+          </a:p>
+        </p:txBody>
+      </p:sp>
+      <p:sp>
+        <p:nvSpPr>
+          <p:cNvPr id="24" name="矩形: 圆角 23">
+            <a:extLst>
+              <a:ext uri="{FF2B5EF4-FFF2-40B4-BE49-F238E27FC236}">
+                <a16:creationId xmlns:a16="http://schemas.microsoft.com/office/drawing/2014/main" id="{930A34F5-6311-4F6E-9573-34AAEB0E7FE0}"/>
+              </a:ext>
+            </a:extLst>
+          </p:cNvPr>
+          <p:cNvSpPr/>
+          <p:nvPr/>
+        </p:nvSpPr>
+        <p:spPr>
+          <a:xfrm>
+            <a:off x="7131281" y="4380404"/>
+            <a:ext cx="1492581" cy="694592"/>
+          </a:xfrm>
+          <a:prstGeom prst="roundRect">
+            <a:avLst/>
+          </a:prstGeom>
+        </p:spPr>
+        <p:style>
+          <a:lnRef idx="2">
+            <a:schemeClr val="accent1">
+              <a:shade val="50000"/>
+            </a:schemeClr>
+          </a:lnRef>
+          <a:fillRef idx="1">
+            <a:schemeClr val="accent1"/>
+          </a:fillRef>
+          <a:effectRef idx="0">
+            <a:schemeClr val="accent1"/>
+          </a:effectRef>
+          <a:fontRef idx="minor">
+            <a:schemeClr val="lt1"/>
+          </a:fontRef>
+        </p:style>
+        <p:txBody>
+          <a:bodyPr rtlCol="0" anchor="ctr"/>
+          <a:lstStyle/>
+          <a:p>
+            <a:pPr algn="ctr"/>
+            <a:r>
+              <a:rPr lang="en-US" altLang="zh-CN" sz="3200" dirty="0"/>
+              <a:t>Book</a:t>
+            </a:r>
+            <a:endParaRPr lang="zh-CN" altLang="en-US" sz="3200" dirty="0"/>
+          </a:p>
+        </p:txBody>
+      </p:sp>
+      <p:sp>
+        <p:nvSpPr>
+          <p:cNvPr id="25" name="箭头: 下 24">
+            <a:extLst>
+              <a:ext uri="{FF2B5EF4-FFF2-40B4-BE49-F238E27FC236}">
+                <a16:creationId xmlns:a16="http://schemas.microsoft.com/office/drawing/2014/main" id="{3B4B3038-B2C4-4326-87D8-4074CBF2DC5A}"/>
+              </a:ext>
+            </a:extLst>
+          </p:cNvPr>
+          <p:cNvSpPr/>
+          <p:nvPr/>
+        </p:nvSpPr>
+        <p:spPr>
+          <a:xfrm>
+            <a:off x="5103717" y="5178365"/>
+            <a:ext cx="1579168" cy="729710"/>
+          </a:xfrm>
+          <a:prstGeom prst="downArrow">
+            <a:avLst/>
+          </a:prstGeom>
+        </p:spPr>
+        <p:style>
+          <a:lnRef idx="2">
+            <a:schemeClr val="accent1">
+              <a:shade val="50000"/>
+            </a:schemeClr>
+          </a:lnRef>
+          <a:fillRef idx="1">
+            <a:schemeClr val="accent1"/>
+          </a:fillRef>
+          <a:effectRef idx="0">
+            <a:schemeClr val="accent1"/>
+          </a:effectRef>
+          <a:fontRef idx="minor">
+            <a:schemeClr val="lt1"/>
+          </a:fontRef>
+        </p:style>
+        <p:txBody>
+          <a:bodyPr rtlCol="0" anchor="ctr"/>
+          <a:lstStyle/>
+          <a:p>
+            <a:pPr algn="ctr"/>
+            <a:r>
+              <a:rPr lang="en-US" altLang="zh-CN" dirty="0"/>
+              <a:t>Has</a:t>
+            </a:r>
+          </a:p>
+          <a:p>
+            <a:pPr algn="ctr"/>
+            <a:r>
+              <a:rPr lang="en-US" altLang="zh-CN" dirty="0"/>
+              <a:t>many</a:t>
+            </a:r>
+            <a:endParaRPr lang="zh-CN" altLang="en-US" dirty="0"/>
+          </a:p>
+        </p:txBody>
+      </p:sp>
+      <p:sp>
+        <p:nvSpPr>
+          <p:cNvPr id="26" name="矩形: 圆角 25">
+            <a:extLst>
+              <a:ext uri="{FF2B5EF4-FFF2-40B4-BE49-F238E27FC236}">
+                <a16:creationId xmlns:a16="http://schemas.microsoft.com/office/drawing/2014/main" id="{981FD5EC-5B3A-42F9-AF1C-3770B1E06CB1}"/>
+              </a:ext>
+            </a:extLst>
+          </p:cNvPr>
+          <p:cNvSpPr/>
+          <p:nvPr/>
+        </p:nvSpPr>
+        <p:spPr>
+          <a:xfrm>
+            <a:off x="4982737" y="6011444"/>
+            <a:ext cx="1872762" cy="707781"/>
+          </a:xfrm>
+          <a:prstGeom prst="roundRect">
+            <a:avLst/>
+          </a:prstGeom>
+        </p:spPr>
+        <p:style>
+          <a:lnRef idx="2">
+            <a:schemeClr val="accent1">
+              <a:shade val="50000"/>
+            </a:schemeClr>
+          </a:lnRef>
+          <a:fillRef idx="1">
+            <a:schemeClr val="accent1"/>
+          </a:fillRef>
+          <a:effectRef idx="0">
+            <a:schemeClr val="accent1"/>
+          </a:effectRef>
+          <a:fontRef idx="minor">
+            <a:schemeClr val="lt1"/>
+          </a:fontRef>
+        </p:style>
+        <p:txBody>
+          <a:bodyPr rtlCol="0" anchor="ctr"/>
+          <a:lstStyle/>
+          <a:p>
+            <a:pPr algn="ctr"/>
+            <a:r>
+              <a:rPr lang="en-US" altLang="zh-CN" sz="3200" dirty="0"/>
+              <a:t>Record</a:t>
+            </a:r>
+            <a:endParaRPr lang="zh-CN" altLang="en-US" sz="3200" dirty="0"/>
           </a:p>
         </p:txBody>
       </p:sp>
